--- a/Documentation/Slide/Final Slide (2).pptx
+++ b/Documentation/Slide/Final Slide (2).pptx
@@ -5,7 +5,7 @@
     <p:sldMasterId id="2147483648" r:id="rId1"/>
   </p:sldMasterIdLst>
   <p:notesMasterIdLst>
-    <p:notesMasterId r:id="rId24"/>
+    <p:notesMasterId r:id="rId25"/>
   </p:notesMasterIdLst>
   <p:sldIdLst>
     <p:sldId id="256" r:id="rId2"/>
@@ -18,18 +18,19 @@
     <p:sldId id="263" r:id="rId9"/>
     <p:sldId id="264" r:id="rId10"/>
     <p:sldId id="265" r:id="rId11"/>
-    <p:sldId id="266" r:id="rId12"/>
-    <p:sldId id="267" r:id="rId13"/>
-    <p:sldId id="269" r:id="rId14"/>
-    <p:sldId id="268" r:id="rId15"/>
-    <p:sldId id="270" r:id="rId16"/>
-    <p:sldId id="271" r:id="rId17"/>
-    <p:sldId id="272" r:id="rId18"/>
-    <p:sldId id="273" r:id="rId19"/>
-    <p:sldId id="274" r:id="rId20"/>
-    <p:sldId id="275" r:id="rId21"/>
-    <p:sldId id="276" r:id="rId22"/>
-    <p:sldId id="277" r:id="rId23"/>
+    <p:sldId id="278" r:id="rId12"/>
+    <p:sldId id="266" r:id="rId13"/>
+    <p:sldId id="267" r:id="rId14"/>
+    <p:sldId id="269" r:id="rId15"/>
+    <p:sldId id="268" r:id="rId16"/>
+    <p:sldId id="270" r:id="rId17"/>
+    <p:sldId id="271" r:id="rId18"/>
+    <p:sldId id="272" r:id="rId19"/>
+    <p:sldId id="273" r:id="rId20"/>
+    <p:sldId id="274" r:id="rId21"/>
+    <p:sldId id="275" r:id="rId22"/>
+    <p:sldId id="276" r:id="rId23"/>
+    <p:sldId id="277" r:id="rId24"/>
   </p:sldIdLst>
   <p:sldSz cx="9144000" cy="5143500" type="screen16x9"/>
   <p:notesSz cx="6858000" cy="9144000"/>
@@ -1461,7 +1462,7 @@
           <p:cNvPr id="7" name="Picture 6" descr="E:\websites\free-power-point-templates\2012\logos.png">
             <a:extLst>
               <a:ext uri="{FF2B5EF4-FFF2-40B4-BE49-F238E27FC236}">
-                <a16:creationId xmlns="" xmlns:a16="http://schemas.microsoft.com/office/drawing/2014/main" id="{26005C90-ED64-4253-A15A-9B03AF885C3C}"/>
+                <a16:creationId xmlns:a16="http://schemas.microsoft.com/office/drawing/2014/main" xmlns="" id="{26005C90-ED64-4253-A15A-9B03AF885C3C}"/>
               </a:ext>
             </a:extLst>
           </p:cNvPr>
@@ -3768,7 +3769,7 @@
           <p:cNvPr id="7" name="TextBox 6">
             <a:extLst>
               <a:ext uri="{FF2B5EF4-FFF2-40B4-BE49-F238E27FC236}">
-                <a16:creationId xmlns="" xmlns:a16="http://schemas.microsoft.com/office/drawing/2014/main" id="{3E27E6E7-689E-4538-BDA0-3E8CAA5893F7}"/>
+                <a16:creationId xmlns:a16="http://schemas.microsoft.com/office/drawing/2014/main" xmlns="" id="{3E27E6E7-689E-4538-BDA0-3E8CAA5893F7}"/>
               </a:ext>
             </a:extLst>
           </p:cNvPr>
@@ -4744,6 +4745,208 @@
 </file>
 
 <file path=ppt/slides/slide11.xml><?xml version="1.0" encoding="utf-8"?>
+<p:sld xmlns:a="http://schemas.openxmlformats.org/drawingml/2006/main" xmlns:r="http://schemas.openxmlformats.org/officeDocument/2006/relationships" xmlns:p="http://schemas.openxmlformats.org/presentationml/2006/main">
+  <p:cSld>
+    <p:spTree>
+      <p:nvGrpSpPr>
+        <p:cNvPr id="1" name=""/>
+        <p:cNvGrpSpPr/>
+        <p:nvPr/>
+      </p:nvGrpSpPr>
+      <p:grpSpPr>
+        <a:xfrm>
+          <a:off x="0" y="0"/>
+          <a:ext cx="0" cy="0"/>
+          <a:chOff x="0" y="0"/>
+          <a:chExt cx="0" cy="0"/>
+        </a:xfrm>
+      </p:grpSpPr>
+      <p:sp>
+        <p:nvSpPr>
+          <p:cNvPr id="2" name="Title 1"/>
+          <p:cNvSpPr>
+            <a:spLocks noGrp="1"/>
+          </p:cNvSpPr>
+          <p:nvPr>
+            <p:ph type="title"/>
+          </p:nvPr>
+        </p:nvSpPr>
+        <p:spPr/>
+        <p:txBody>
+          <a:bodyPr/>
+          <a:lstStyle/>
+          <a:p>
+            <a:r>
+              <a:rPr lang="en-US" dirty="0" smtClean="0"/>
+              <a:t>Version Control</a:t>
+            </a:r>
+            <a:endParaRPr lang="en-US" dirty="0"/>
+          </a:p>
+        </p:txBody>
+      </p:sp>
+      <p:pic>
+        <p:nvPicPr>
+          <p:cNvPr id="4" name="Picture 3"/>
+          <p:cNvPicPr>
+            <a:picLocks noChangeAspect="1"/>
+          </p:cNvPicPr>
+          <p:nvPr/>
+        </p:nvPicPr>
+        <p:blipFill>
+          <a:blip r:embed="rId2"/>
+          <a:stretch>
+            <a:fillRect/>
+          </a:stretch>
+        </p:blipFill>
+        <p:spPr>
+          <a:xfrm>
+            <a:off x="4113885" y="1350110"/>
+            <a:ext cx="4702987" cy="3206805"/>
+          </a:xfrm>
+          <a:prstGeom prst="rect">
+            <a:avLst/>
+          </a:prstGeom>
+          <a:solidFill>
+            <a:srgbClr val="FFFFFF">
+              <a:shade val="85000"/>
+            </a:srgbClr>
+          </a:solidFill>
+          <a:ln w="190500" cap="rnd">
+            <a:solidFill>
+              <a:srgbClr val="FFFFFF"/>
+            </a:solidFill>
+          </a:ln>
+          <a:effectLst>
+            <a:outerShdw blurRad="36195" dist="12700" dir="11400000" algn="tl" rotWithShape="0">
+              <a:srgbClr val="000000">
+                <a:alpha val="33000"/>
+              </a:srgbClr>
+            </a:outerShdw>
+          </a:effectLst>
+          <a:scene3d>
+            <a:camera prst="perspectiveContrastingLeftFacing">
+              <a:rot lat="540000" lon="2100000" rev="0"/>
+            </a:camera>
+            <a:lightRig rig="soft" dir="t"/>
+          </a:scene3d>
+          <a:sp3d contourW="12700" prstMaterial="matte">
+            <a:bevelT w="63500" h="50800"/>
+            <a:contourClr>
+              <a:srgbClr val="C0C0C0"/>
+            </a:contourClr>
+          </a:sp3d>
+        </p:spPr>
+      </p:pic>
+      <p:pic>
+        <p:nvPicPr>
+          <p:cNvPr id="1026" name="Picture 2" descr="Image result for github logo"/>
+          <p:cNvPicPr>
+            <a:picLocks noChangeAspect="1" noChangeArrowheads="1"/>
+          </p:cNvPicPr>
+          <p:nvPr/>
+        </p:nvPicPr>
+        <p:blipFill>
+          <a:blip r:embed="rId3" cstate="print">
+            <a:extLst>
+              <a:ext uri="{28A0092B-C50C-407E-A947-70E740481C1C}">
+                <a14:useLocalDpi xmlns:a14="http://schemas.microsoft.com/office/drawing/2010/main" val="0"/>
+              </a:ext>
+            </a:extLst>
+          </a:blip>
+          <a:srcRect/>
+          <a:stretch>
+            <a:fillRect/>
+          </a:stretch>
+        </p:blipFill>
+        <p:spPr bwMode="auto">
+          <a:xfrm>
+            <a:off x="531245" y="1655520"/>
+            <a:ext cx="3568706" cy="1186596"/>
+          </a:xfrm>
+          <a:prstGeom prst="rect">
+            <a:avLst/>
+          </a:prstGeom>
+          <a:ln>
+            <a:noFill/>
+          </a:ln>
+          <a:effectLst>
+            <a:outerShdw blurRad="190500" algn="tl" rotWithShape="0">
+              <a:srgbClr val="000000">
+                <a:alpha val="70000"/>
+              </a:srgbClr>
+            </a:outerShdw>
+          </a:effectLst>
+          <a:extLst>
+            <a:ext uri="{909E8E84-426E-40DD-AFC4-6F175D3DCCD1}">
+              <a14:hiddenFill xmlns:a14="http://schemas.microsoft.com/office/drawing/2010/main">
+                <a:solidFill>
+                  <a:srgbClr val="FFFFFF"/>
+                </a:solidFill>
+              </a14:hiddenFill>
+            </a:ext>
+          </a:extLst>
+        </p:spPr>
+      </p:pic>
+      <p:pic>
+        <p:nvPicPr>
+          <p:cNvPr id="1028" name="Picture 4" descr="Related image"/>
+          <p:cNvPicPr>
+            <a:picLocks noChangeAspect="1" noChangeArrowheads="1"/>
+          </p:cNvPicPr>
+          <p:nvPr/>
+        </p:nvPicPr>
+        <p:blipFill>
+          <a:blip r:embed="rId4" cstate="print">
+            <a:extLst>
+              <a:ext uri="{28A0092B-C50C-407E-A947-70E740481C1C}">
+                <a14:useLocalDpi xmlns:a14="http://schemas.microsoft.com/office/drawing/2010/main" val="0"/>
+              </a:ext>
+            </a:extLst>
+          </a:blip>
+          <a:srcRect/>
+          <a:stretch>
+            <a:fillRect/>
+          </a:stretch>
+        </p:blipFill>
+        <p:spPr bwMode="auto">
+          <a:xfrm>
+            <a:off x="1976015" y="3029865"/>
+            <a:ext cx="1474267" cy="1736702"/>
+          </a:xfrm>
+          <a:prstGeom prst="rect">
+            <a:avLst/>
+          </a:prstGeom>
+          <a:ln>
+            <a:noFill/>
+          </a:ln>
+          <a:effectLst>
+            <a:softEdge rad="112500"/>
+          </a:effectLst>
+          <a:extLst>
+            <a:ext uri="{909E8E84-426E-40DD-AFC4-6F175D3DCCD1}">
+              <a14:hiddenFill xmlns:a14="http://schemas.microsoft.com/office/drawing/2010/main">
+                <a:solidFill>
+                  <a:srgbClr val="FFFFFF"/>
+                </a:solidFill>
+              </a14:hiddenFill>
+            </a:ext>
+          </a:extLst>
+        </p:spPr>
+      </p:pic>
+    </p:spTree>
+    <p:extLst>
+      <p:ext uri="{BB962C8B-B14F-4D97-AF65-F5344CB8AC3E}">
+        <p14:creationId xmlns:p14="http://schemas.microsoft.com/office/powerpoint/2010/main" val="3709201847"/>
+      </p:ext>
+    </p:extLst>
+  </p:cSld>
+  <p:clrMapOvr>
+    <a:masterClrMapping/>
+  </p:clrMapOvr>
+</p:sld>
+</file>
+
+<file path=ppt/slides/slide12.xml><?xml version="1.0" encoding="utf-8"?>
 <p:sld xmlns:a="http://schemas.openxmlformats.org/drawingml/2006/main" xmlns:r="http://schemas.openxmlformats.org/officeDocument/2006/relationships" xmlns:p="http://schemas.openxmlformats.org/presentationml/2006/main">
   <p:cSld>
     <p:spTree>
@@ -5708,7 +5911,7 @@
 </p:sld>
 </file>
 
-<file path=ppt/slides/slide12.xml><?xml version="1.0" encoding="utf-8"?>
+<file path=ppt/slides/slide13.xml><?xml version="1.0" encoding="utf-8"?>
 <p:sld xmlns:a="http://schemas.openxmlformats.org/drawingml/2006/main" xmlns:r="http://schemas.openxmlformats.org/officeDocument/2006/relationships" xmlns:p="http://schemas.openxmlformats.org/presentationml/2006/main">
   <p:cSld>
     <p:spTree>
@@ -6746,7 +6949,7 @@
 </p:sld>
 </file>
 
-<file path=ppt/slides/slide13.xml><?xml version="1.0" encoding="utf-8"?>
+<file path=ppt/slides/slide14.xml><?xml version="1.0" encoding="utf-8"?>
 <p:sld xmlns:a="http://schemas.openxmlformats.org/drawingml/2006/main" xmlns:r="http://schemas.openxmlformats.org/officeDocument/2006/relationships" xmlns:p="http://schemas.openxmlformats.org/presentationml/2006/main">
   <p:cSld>
     <p:spTree>
@@ -6909,7 +7112,7 @@
 </p:sld>
 </file>
 
-<file path=ppt/slides/slide14.xml><?xml version="1.0" encoding="utf-8"?>
+<file path=ppt/slides/slide15.xml><?xml version="1.0" encoding="utf-8"?>
 <p:sld xmlns:a="http://schemas.openxmlformats.org/drawingml/2006/main" xmlns:r="http://schemas.openxmlformats.org/officeDocument/2006/relationships" xmlns:p="http://schemas.openxmlformats.org/presentationml/2006/main">
   <p:cSld>
     <p:spTree>
@@ -7130,7 +7333,7 @@
 </p:sld>
 </file>
 
-<file path=ppt/slides/slide15.xml><?xml version="1.0" encoding="utf-8"?>
+<file path=ppt/slides/slide16.xml><?xml version="1.0" encoding="utf-8"?>
 <p:sld xmlns:a="http://schemas.openxmlformats.org/drawingml/2006/main" xmlns:r="http://schemas.openxmlformats.org/officeDocument/2006/relationships" xmlns:p="http://schemas.openxmlformats.org/presentationml/2006/main">
   <p:cSld>
     <p:spTree>
@@ -7471,7 +7674,7 @@
 </p:sld>
 </file>
 
-<file path=ppt/slides/slide16.xml><?xml version="1.0" encoding="utf-8"?>
+<file path=ppt/slides/slide17.xml><?xml version="1.0" encoding="utf-8"?>
 <p:sld xmlns:a="http://schemas.openxmlformats.org/drawingml/2006/main" xmlns:r="http://schemas.openxmlformats.org/officeDocument/2006/relationships" xmlns:p="http://schemas.openxmlformats.org/presentationml/2006/main">
   <p:cSld>
     <p:spTree>
@@ -7818,7 +8021,7 @@
 </p:sld>
 </file>
 
-<file path=ppt/slides/slide17.xml><?xml version="1.0" encoding="utf-8"?>
+<file path=ppt/slides/slide18.xml><?xml version="1.0" encoding="utf-8"?>
 <p:sld xmlns:a="http://schemas.openxmlformats.org/drawingml/2006/main" xmlns:r="http://schemas.openxmlformats.org/officeDocument/2006/relationships" xmlns:p="http://schemas.openxmlformats.org/presentationml/2006/main">
   <p:cSld>
     <p:spTree>
@@ -8180,7 +8383,7 @@
 </p:sld>
 </file>
 
-<file path=ppt/slides/slide18.xml><?xml version="1.0" encoding="utf-8"?>
+<file path=ppt/slides/slide19.xml><?xml version="1.0" encoding="utf-8"?>
 <p:sld xmlns:a="http://schemas.openxmlformats.org/drawingml/2006/main" xmlns:r="http://schemas.openxmlformats.org/officeDocument/2006/relationships" xmlns:p="http://schemas.openxmlformats.org/presentationml/2006/main">
   <p:cSld>
     <p:spTree>
@@ -8426,278 +8629,6 @@
     <p:extLst>
       <p:ext uri="{BB962C8B-B14F-4D97-AF65-F5344CB8AC3E}">
         <p14:creationId xmlns:p14="http://schemas.microsoft.com/office/powerpoint/2010/main" val="846646702"/>
-      </p:ext>
-    </p:extLst>
-  </p:cSld>
-  <p:clrMapOvr>
-    <a:masterClrMapping/>
-  </p:clrMapOvr>
-  <p:timing>
-    <p:tnLst>
-      <p:par>
-        <p:cTn id="1" dur="indefinite" restart="never" nodeType="tmRoot"/>
-      </p:par>
-    </p:tnLst>
-  </p:timing>
-</p:sld>
-</file>
-
-<file path=ppt/slides/slide19.xml><?xml version="1.0" encoding="utf-8"?>
-<p:sld xmlns:a="http://schemas.openxmlformats.org/drawingml/2006/main" xmlns:r="http://schemas.openxmlformats.org/officeDocument/2006/relationships" xmlns:p="http://schemas.openxmlformats.org/presentationml/2006/main">
-  <p:cSld>
-    <p:spTree>
-      <p:nvGrpSpPr>
-        <p:cNvPr id="1" name=""/>
-        <p:cNvGrpSpPr/>
-        <p:nvPr/>
-      </p:nvGrpSpPr>
-      <p:grpSpPr>
-        <a:xfrm>
-          <a:off x="0" y="0"/>
-          <a:ext cx="0" cy="0"/>
-          <a:chOff x="0" y="0"/>
-          <a:chExt cx="0" cy="0"/>
-        </a:xfrm>
-      </p:grpSpPr>
-      <p:sp>
-        <p:nvSpPr>
-          <p:cNvPr id="2" name="Title 1"/>
-          <p:cNvSpPr>
-            <a:spLocks noGrp="1"/>
-          </p:cNvSpPr>
-          <p:nvPr>
-            <p:ph type="title"/>
-          </p:nvPr>
-        </p:nvSpPr>
-        <p:spPr/>
-        <p:txBody>
-          <a:bodyPr>
-            <a:normAutofit/>
-          </a:bodyPr>
-          <a:lstStyle/>
-          <a:p>
-            <a:r>
-              <a:rPr lang="en-US" sz="2400" dirty="0"/>
-              <a:t>Design And Implementation</a:t>
-            </a:r>
-          </a:p>
-        </p:txBody>
-      </p:sp>
-      <p:sp>
-        <p:nvSpPr>
-          <p:cNvPr id="4" name="Text Placeholder 1"/>
-          <p:cNvSpPr txBox="1">
-            <a:spLocks/>
-          </p:cNvSpPr>
-          <p:nvPr/>
-        </p:nvSpPr>
-        <p:spPr>
-          <a:xfrm>
-            <a:off x="2281425" y="1350110"/>
-            <a:ext cx="4040188" cy="479822"/>
-          </a:xfrm>
-          <a:prstGeom prst="rect">
-            <a:avLst/>
-          </a:prstGeom>
-        </p:spPr>
-        <p:txBody>
-          <a:bodyPr vert="horz" lIns="91440" tIns="45720" rIns="91440" bIns="45720" rtlCol="0">
-            <a:normAutofit lnSpcReduction="10000"/>
-          </a:bodyPr>
-          <a:lstStyle>
-            <a:lvl1pPr marL="342900" indent="-342900" algn="l" defTabSz="914400" rtl="0" eaLnBrk="1" latinLnBrk="0" hangingPunct="1">
-              <a:spcBef>
-                <a:spcPct val="20000"/>
-              </a:spcBef>
-              <a:buFont typeface="Arial" pitchFamily="34" charset="0"/>
-              <a:buChar char="•"/>
-              <a:defRPr sz="2800" kern="1200">
-                <a:solidFill>
-                  <a:schemeClr val="tx1"/>
-                </a:solidFill>
-                <a:latin typeface="+mn-lt"/>
-                <a:ea typeface="+mn-ea"/>
-                <a:cs typeface="+mn-cs"/>
-              </a:defRPr>
-            </a:lvl1pPr>
-            <a:lvl2pPr marL="742950" indent="-285750" algn="l" defTabSz="914400" rtl="0" eaLnBrk="1" latinLnBrk="0" hangingPunct="1">
-              <a:spcBef>
-                <a:spcPct val="20000"/>
-              </a:spcBef>
-              <a:buFont typeface="Arial" pitchFamily="34" charset="0"/>
-              <a:buChar char="–"/>
-              <a:defRPr sz="2800" kern="1200">
-                <a:solidFill>
-                  <a:schemeClr val="tx1"/>
-                </a:solidFill>
-                <a:latin typeface="+mn-lt"/>
-                <a:ea typeface="+mn-ea"/>
-                <a:cs typeface="+mn-cs"/>
-              </a:defRPr>
-            </a:lvl2pPr>
-            <a:lvl3pPr marL="1143000" indent="-228600" algn="l" defTabSz="914400" rtl="0" eaLnBrk="1" latinLnBrk="0" hangingPunct="1">
-              <a:spcBef>
-                <a:spcPct val="20000"/>
-              </a:spcBef>
-              <a:buFont typeface="Arial" pitchFamily="34" charset="0"/>
-              <a:buChar char="•"/>
-              <a:defRPr sz="2400" kern="1200">
-                <a:solidFill>
-                  <a:schemeClr val="tx1"/>
-                </a:solidFill>
-                <a:latin typeface="+mn-lt"/>
-                <a:ea typeface="+mn-ea"/>
-                <a:cs typeface="+mn-cs"/>
-              </a:defRPr>
-            </a:lvl3pPr>
-            <a:lvl4pPr marL="1600200" indent="-228600" algn="l" defTabSz="914400" rtl="0" eaLnBrk="1" latinLnBrk="0" hangingPunct="1">
-              <a:spcBef>
-                <a:spcPct val="20000"/>
-              </a:spcBef>
-              <a:buFont typeface="Arial" pitchFamily="34" charset="0"/>
-              <a:buChar char="–"/>
-              <a:defRPr sz="2000" kern="1200">
-                <a:solidFill>
-                  <a:schemeClr val="tx1"/>
-                </a:solidFill>
-                <a:latin typeface="+mn-lt"/>
-                <a:ea typeface="+mn-ea"/>
-                <a:cs typeface="+mn-cs"/>
-              </a:defRPr>
-            </a:lvl4pPr>
-            <a:lvl5pPr marL="2057400" indent="-228600" algn="l" defTabSz="914400" rtl="0" eaLnBrk="1" latinLnBrk="0" hangingPunct="1">
-              <a:spcBef>
-                <a:spcPct val="20000"/>
-              </a:spcBef>
-              <a:buFont typeface="Arial" pitchFamily="34" charset="0"/>
-              <a:buChar char="»"/>
-              <a:defRPr sz="2000" kern="1200">
-                <a:solidFill>
-                  <a:schemeClr val="tx1"/>
-                </a:solidFill>
-                <a:latin typeface="+mn-lt"/>
-                <a:ea typeface="+mn-ea"/>
-                <a:cs typeface="+mn-cs"/>
-              </a:defRPr>
-            </a:lvl5pPr>
-            <a:lvl6pPr marL="2514600" indent="-228600" algn="l" defTabSz="914400" rtl="0" eaLnBrk="1" latinLnBrk="0" hangingPunct="1">
-              <a:spcBef>
-                <a:spcPct val="20000"/>
-              </a:spcBef>
-              <a:buFont typeface="Arial" pitchFamily="34" charset="0"/>
-              <a:buChar char="•"/>
-              <a:defRPr sz="2000" kern="1200">
-                <a:solidFill>
-                  <a:schemeClr val="tx1"/>
-                </a:solidFill>
-                <a:latin typeface="+mn-lt"/>
-                <a:ea typeface="+mn-ea"/>
-                <a:cs typeface="+mn-cs"/>
-              </a:defRPr>
-            </a:lvl6pPr>
-            <a:lvl7pPr marL="2971800" indent="-228600" algn="l" defTabSz="914400" rtl="0" eaLnBrk="1" latinLnBrk="0" hangingPunct="1">
-              <a:spcBef>
-                <a:spcPct val="20000"/>
-              </a:spcBef>
-              <a:buFont typeface="Arial" pitchFamily="34" charset="0"/>
-              <a:buChar char="•"/>
-              <a:defRPr sz="2000" kern="1200">
-                <a:solidFill>
-                  <a:schemeClr val="tx1"/>
-                </a:solidFill>
-                <a:latin typeface="+mn-lt"/>
-                <a:ea typeface="+mn-ea"/>
-                <a:cs typeface="+mn-cs"/>
-              </a:defRPr>
-            </a:lvl7pPr>
-            <a:lvl8pPr marL="3429000" indent="-228600" algn="l" defTabSz="914400" rtl="0" eaLnBrk="1" latinLnBrk="0" hangingPunct="1">
-              <a:spcBef>
-                <a:spcPct val="20000"/>
-              </a:spcBef>
-              <a:buFont typeface="Arial" pitchFamily="34" charset="0"/>
-              <a:buChar char="•"/>
-              <a:defRPr sz="2000" kern="1200">
-                <a:solidFill>
-                  <a:schemeClr val="tx1"/>
-                </a:solidFill>
-                <a:latin typeface="+mn-lt"/>
-                <a:ea typeface="+mn-ea"/>
-                <a:cs typeface="+mn-cs"/>
-              </a:defRPr>
-            </a:lvl8pPr>
-            <a:lvl9pPr marL="3886200" indent="-228600" algn="l" defTabSz="914400" rtl="0" eaLnBrk="1" latinLnBrk="0" hangingPunct="1">
-              <a:spcBef>
-                <a:spcPct val="20000"/>
-              </a:spcBef>
-              <a:buFont typeface="Arial" pitchFamily="34" charset="0"/>
-              <a:buChar char="•"/>
-              <a:defRPr sz="2000" kern="1200">
-                <a:solidFill>
-                  <a:schemeClr val="tx1"/>
-                </a:solidFill>
-                <a:latin typeface="+mn-lt"/>
-                <a:ea typeface="+mn-ea"/>
-                <a:cs typeface="+mn-cs"/>
-              </a:defRPr>
-            </a:lvl9pPr>
-          </a:lstStyle>
-          <a:p>
-            <a:pPr marL="0" indent="0" algn="ctr">
-              <a:buNone/>
-            </a:pPr>
-            <a:r>
-              <a:rPr lang="en-US" dirty="0" smtClean="0">
-                <a:solidFill>
-                  <a:srgbClr val="FF0000"/>
-                </a:solidFill>
-              </a:rPr>
-              <a:t>Class Diagram Sample</a:t>
-            </a:r>
-            <a:endParaRPr lang="en-US" dirty="0">
-              <a:solidFill>
-                <a:srgbClr val="FF0000"/>
-              </a:solidFill>
-            </a:endParaRPr>
-          </a:p>
-        </p:txBody>
-      </p:sp>
-      <p:pic>
-        <p:nvPicPr>
-          <p:cNvPr id="5" name="Picture 4" descr="AuthenticationManagement"/>
-          <p:cNvPicPr/>
-          <p:nvPr/>
-        </p:nvPicPr>
-        <p:blipFill>
-          <a:blip r:embed="rId2">
-            <a:extLst>
-              <a:ext uri="{28A0092B-C50C-407E-A947-70E740481C1C}">
-                <a14:useLocalDpi xmlns:a14="http://schemas.microsoft.com/office/drawing/2010/main" val="0"/>
-              </a:ext>
-            </a:extLst>
-          </a:blip>
-          <a:srcRect/>
-          <a:stretch>
-            <a:fillRect/>
-          </a:stretch>
-        </p:blipFill>
-        <p:spPr bwMode="auto">
-          <a:xfrm>
-            <a:off x="2215055" y="1829932"/>
-            <a:ext cx="5262245" cy="3200400"/>
-          </a:xfrm>
-          <a:prstGeom prst="rect">
-            <a:avLst/>
-          </a:prstGeom>
-          <a:noFill/>
-          <a:ln>
-            <a:noFill/>
-          </a:ln>
-        </p:spPr>
-      </p:pic>
-    </p:spTree>
-    <p:extLst>
-      <p:ext uri="{BB962C8B-B14F-4D97-AF65-F5344CB8AC3E}">
-        <p14:creationId xmlns:p14="http://schemas.microsoft.com/office/powerpoint/2010/main" val="1422992092"/>
       </p:ext>
     </p:extLst>
   </p:cSld>
@@ -9506,11 +9437,7 @@
             <a:pPr eaLnBrk="0" hangingPunct="0"/>
             <a:r>
               <a:rPr lang="en-US" sz="2400" b="1" dirty="0" smtClean="0"/>
-              <a:t>Software </a:t>
-            </a:r>
-            <a:r>
-              <a:rPr lang="en-US" sz="2400" b="1" dirty="0" smtClean="0"/>
-              <a:t>Design</a:t>
+              <a:t>Software Design</a:t>
             </a:r>
             <a:endParaRPr lang="en-US" sz="2400" b="1" dirty="0"/>
           </a:p>
@@ -15475,6 +15402,278 @@
 </file>
 
 <file path=ppt/slides/slide20.xml><?xml version="1.0" encoding="utf-8"?>
+<p:sld xmlns:a="http://schemas.openxmlformats.org/drawingml/2006/main" xmlns:r="http://schemas.openxmlformats.org/officeDocument/2006/relationships" xmlns:p="http://schemas.openxmlformats.org/presentationml/2006/main">
+  <p:cSld>
+    <p:spTree>
+      <p:nvGrpSpPr>
+        <p:cNvPr id="1" name=""/>
+        <p:cNvGrpSpPr/>
+        <p:nvPr/>
+      </p:nvGrpSpPr>
+      <p:grpSpPr>
+        <a:xfrm>
+          <a:off x="0" y="0"/>
+          <a:ext cx="0" cy="0"/>
+          <a:chOff x="0" y="0"/>
+          <a:chExt cx="0" cy="0"/>
+        </a:xfrm>
+      </p:grpSpPr>
+      <p:sp>
+        <p:nvSpPr>
+          <p:cNvPr id="2" name="Title 1"/>
+          <p:cNvSpPr>
+            <a:spLocks noGrp="1"/>
+          </p:cNvSpPr>
+          <p:nvPr>
+            <p:ph type="title"/>
+          </p:nvPr>
+        </p:nvSpPr>
+        <p:spPr/>
+        <p:txBody>
+          <a:bodyPr>
+            <a:normAutofit/>
+          </a:bodyPr>
+          <a:lstStyle/>
+          <a:p>
+            <a:r>
+              <a:rPr lang="en-US" sz="2400" dirty="0"/>
+              <a:t>Design And Implementation</a:t>
+            </a:r>
+          </a:p>
+        </p:txBody>
+      </p:sp>
+      <p:sp>
+        <p:nvSpPr>
+          <p:cNvPr id="4" name="Text Placeholder 1"/>
+          <p:cNvSpPr txBox="1">
+            <a:spLocks/>
+          </p:cNvSpPr>
+          <p:nvPr/>
+        </p:nvSpPr>
+        <p:spPr>
+          <a:xfrm>
+            <a:off x="2281425" y="1350110"/>
+            <a:ext cx="4040188" cy="479822"/>
+          </a:xfrm>
+          <a:prstGeom prst="rect">
+            <a:avLst/>
+          </a:prstGeom>
+        </p:spPr>
+        <p:txBody>
+          <a:bodyPr vert="horz" lIns="91440" tIns="45720" rIns="91440" bIns="45720" rtlCol="0">
+            <a:normAutofit lnSpcReduction="10000"/>
+          </a:bodyPr>
+          <a:lstStyle>
+            <a:lvl1pPr marL="342900" indent="-342900" algn="l" defTabSz="914400" rtl="0" eaLnBrk="1" latinLnBrk="0" hangingPunct="1">
+              <a:spcBef>
+                <a:spcPct val="20000"/>
+              </a:spcBef>
+              <a:buFont typeface="Arial" pitchFamily="34" charset="0"/>
+              <a:buChar char="•"/>
+              <a:defRPr sz="2800" kern="1200">
+                <a:solidFill>
+                  <a:schemeClr val="tx1"/>
+                </a:solidFill>
+                <a:latin typeface="+mn-lt"/>
+                <a:ea typeface="+mn-ea"/>
+                <a:cs typeface="+mn-cs"/>
+              </a:defRPr>
+            </a:lvl1pPr>
+            <a:lvl2pPr marL="742950" indent="-285750" algn="l" defTabSz="914400" rtl="0" eaLnBrk="1" latinLnBrk="0" hangingPunct="1">
+              <a:spcBef>
+                <a:spcPct val="20000"/>
+              </a:spcBef>
+              <a:buFont typeface="Arial" pitchFamily="34" charset="0"/>
+              <a:buChar char="–"/>
+              <a:defRPr sz="2800" kern="1200">
+                <a:solidFill>
+                  <a:schemeClr val="tx1"/>
+                </a:solidFill>
+                <a:latin typeface="+mn-lt"/>
+                <a:ea typeface="+mn-ea"/>
+                <a:cs typeface="+mn-cs"/>
+              </a:defRPr>
+            </a:lvl2pPr>
+            <a:lvl3pPr marL="1143000" indent="-228600" algn="l" defTabSz="914400" rtl="0" eaLnBrk="1" latinLnBrk="0" hangingPunct="1">
+              <a:spcBef>
+                <a:spcPct val="20000"/>
+              </a:spcBef>
+              <a:buFont typeface="Arial" pitchFamily="34" charset="0"/>
+              <a:buChar char="•"/>
+              <a:defRPr sz="2400" kern="1200">
+                <a:solidFill>
+                  <a:schemeClr val="tx1"/>
+                </a:solidFill>
+                <a:latin typeface="+mn-lt"/>
+                <a:ea typeface="+mn-ea"/>
+                <a:cs typeface="+mn-cs"/>
+              </a:defRPr>
+            </a:lvl3pPr>
+            <a:lvl4pPr marL="1600200" indent="-228600" algn="l" defTabSz="914400" rtl="0" eaLnBrk="1" latinLnBrk="0" hangingPunct="1">
+              <a:spcBef>
+                <a:spcPct val="20000"/>
+              </a:spcBef>
+              <a:buFont typeface="Arial" pitchFamily="34" charset="0"/>
+              <a:buChar char="–"/>
+              <a:defRPr sz="2000" kern="1200">
+                <a:solidFill>
+                  <a:schemeClr val="tx1"/>
+                </a:solidFill>
+                <a:latin typeface="+mn-lt"/>
+                <a:ea typeface="+mn-ea"/>
+                <a:cs typeface="+mn-cs"/>
+              </a:defRPr>
+            </a:lvl4pPr>
+            <a:lvl5pPr marL="2057400" indent="-228600" algn="l" defTabSz="914400" rtl="0" eaLnBrk="1" latinLnBrk="0" hangingPunct="1">
+              <a:spcBef>
+                <a:spcPct val="20000"/>
+              </a:spcBef>
+              <a:buFont typeface="Arial" pitchFamily="34" charset="0"/>
+              <a:buChar char="»"/>
+              <a:defRPr sz="2000" kern="1200">
+                <a:solidFill>
+                  <a:schemeClr val="tx1"/>
+                </a:solidFill>
+                <a:latin typeface="+mn-lt"/>
+                <a:ea typeface="+mn-ea"/>
+                <a:cs typeface="+mn-cs"/>
+              </a:defRPr>
+            </a:lvl5pPr>
+            <a:lvl6pPr marL="2514600" indent="-228600" algn="l" defTabSz="914400" rtl="0" eaLnBrk="1" latinLnBrk="0" hangingPunct="1">
+              <a:spcBef>
+                <a:spcPct val="20000"/>
+              </a:spcBef>
+              <a:buFont typeface="Arial" pitchFamily="34" charset="0"/>
+              <a:buChar char="•"/>
+              <a:defRPr sz="2000" kern="1200">
+                <a:solidFill>
+                  <a:schemeClr val="tx1"/>
+                </a:solidFill>
+                <a:latin typeface="+mn-lt"/>
+                <a:ea typeface="+mn-ea"/>
+                <a:cs typeface="+mn-cs"/>
+              </a:defRPr>
+            </a:lvl6pPr>
+            <a:lvl7pPr marL="2971800" indent="-228600" algn="l" defTabSz="914400" rtl="0" eaLnBrk="1" latinLnBrk="0" hangingPunct="1">
+              <a:spcBef>
+                <a:spcPct val="20000"/>
+              </a:spcBef>
+              <a:buFont typeface="Arial" pitchFamily="34" charset="0"/>
+              <a:buChar char="•"/>
+              <a:defRPr sz="2000" kern="1200">
+                <a:solidFill>
+                  <a:schemeClr val="tx1"/>
+                </a:solidFill>
+                <a:latin typeface="+mn-lt"/>
+                <a:ea typeface="+mn-ea"/>
+                <a:cs typeface="+mn-cs"/>
+              </a:defRPr>
+            </a:lvl7pPr>
+            <a:lvl8pPr marL="3429000" indent="-228600" algn="l" defTabSz="914400" rtl="0" eaLnBrk="1" latinLnBrk="0" hangingPunct="1">
+              <a:spcBef>
+                <a:spcPct val="20000"/>
+              </a:spcBef>
+              <a:buFont typeface="Arial" pitchFamily="34" charset="0"/>
+              <a:buChar char="•"/>
+              <a:defRPr sz="2000" kern="1200">
+                <a:solidFill>
+                  <a:schemeClr val="tx1"/>
+                </a:solidFill>
+                <a:latin typeface="+mn-lt"/>
+                <a:ea typeface="+mn-ea"/>
+                <a:cs typeface="+mn-cs"/>
+              </a:defRPr>
+            </a:lvl8pPr>
+            <a:lvl9pPr marL="3886200" indent="-228600" algn="l" defTabSz="914400" rtl="0" eaLnBrk="1" latinLnBrk="0" hangingPunct="1">
+              <a:spcBef>
+                <a:spcPct val="20000"/>
+              </a:spcBef>
+              <a:buFont typeface="Arial" pitchFamily="34" charset="0"/>
+              <a:buChar char="•"/>
+              <a:defRPr sz="2000" kern="1200">
+                <a:solidFill>
+                  <a:schemeClr val="tx1"/>
+                </a:solidFill>
+                <a:latin typeface="+mn-lt"/>
+                <a:ea typeface="+mn-ea"/>
+                <a:cs typeface="+mn-cs"/>
+              </a:defRPr>
+            </a:lvl9pPr>
+          </a:lstStyle>
+          <a:p>
+            <a:pPr marL="0" indent="0" algn="ctr">
+              <a:buNone/>
+            </a:pPr>
+            <a:r>
+              <a:rPr lang="en-US" dirty="0" smtClean="0">
+                <a:solidFill>
+                  <a:srgbClr val="FF0000"/>
+                </a:solidFill>
+              </a:rPr>
+              <a:t>Class Diagram Sample</a:t>
+            </a:r>
+            <a:endParaRPr lang="en-US" dirty="0">
+              <a:solidFill>
+                <a:srgbClr val="FF0000"/>
+              </a:solidFill>
+            </a:endParaRPr>
+          </a:p>
+        </p:txBody>
+      </p:sp>
+      <p:pic>
+        <p:nvPicPr>
+          <p:cNvPr id="5" name="Picture 4" descr="AuthenticationManagement"/>
+          <p:cNvPicPr/>
+          <p:nvPr/>
+        </p:nvPicPr>
+        <p:blipFill>
+          <a:blip r:embed="rId2">
+            <a:extLst>
+              <a:ext uri="{28A0092B-C50C-407E-A947-70E740481C1C}">
+                <a14:useLocalDpi xmlns:a14="http://schemas.microsoft.com/office/drawing/2010/main" val="0"/>
+              </a:ext>
+            </a:extLst>
+          </a:blip>
+          <a:srcRect/>
+          <a:stretch>
+            <a:fillRect/>
+          </a:stretch>
+        </p:blipFill>
+        <p:spPr bwMode="auto">
+          <a:xfrm>
+            <a:off x="2215055" y="1829932"/>
+            <a:ext cx="5262245" cy="3200400"/>
+          </a:xfrm>
+          <a:prstGeom prst="rect">
+            <a:avLst/>
+          </a:prstGeom>
+          <a:noFill/>
+          <a:ln>
+            <a:noFill/>
+          </a:ln>
+        </p:spPr>
+      </p:pic>
+    </p:spTree>
+    <p:extLst>
+      <p:ext uri="{BB962C8B-B14F-4D97-AF65-F5344CB8AC3E}">
+        <p14:creationId xmlns:p14="http://schemas.microsoft.com/office/powerpoint/2010/main" val="1422992092"/>
+      </p:ext>
+    </p:extLst>
+  </p:cSld>
+  <p:clrMapOvr>
+    <a:masterClrMapping/>
+  </p:clrMapOvr>
+  <p:timing>
+    <p:tnLst>
+      <p:par>
+        <p:cTn id="1" dur="indefinite" restart="never" nodeType="tmRoot"/>
+      </p:par>
+    </p:tnLst>
+  </p:timing>
+</p:sld>
+</file>
+
+<file path=ppt/slides/slide21.xml><?xml version="1.0" encoding="utf-8"?>
 <p:sld xmlns:a="http://schemas.openxmlformats.org/drawingml/2006/main" xmlns:r="http://schemas.openxmlformats.org/officeDocument/2006/relationships" xmlns:p="http://schemas.openxmlformats.org/presentationml/2006/main">
   <p:cSld>
     <p:spTree>
@@ -15736,7 +15935,7 @@
 </p:sld>
 </file>
 
-<file path=ppt/slides/slide21.xml><?xml version="1.0" encoding="utf-8"?>
+<file path=ppt/slides/slide22.xml><?xml version="1.0" encoding="utf-8"?>
 <p:sld xmlns:a="http://schemas.openxmlformats.org/drawingml/2006/main" xmlns:r="http://schemas.openxmlformats.org/officeDocument/2006/relationships" xmlns:p="http://schemas.openxmlformats.org/presentationml/2006/main">
   <p:cSld>
     <p:spTree>
@@ -15815,7 +16014,7 @@
 </p:sld>
 </file>
 
-<file path=ppt/slides/slide22.xml><?xml version="1.0" encoding="utf-8"?>
+<file path=ppt/slides/slide23.xml><?xml version="1.0" encoding="utf-8"?>
 <p:sld xmlns:a="http://schemas.openxmlformats.org/drawingml/2006/main" xmlns:r="http://schemas.openxmlformats.org/officeDocument/2006/relationships" xmlns:p="http://schemas.openxmlformats.org/presentationml/2006/main">
   <p:cSld>
     <p:spTree>
